--- a/WT_Presentation_Team2_SectionC(Lensglow).pptx
+++ b/WT_Presentation_Team2_SectionC(Lensglow).pptx
@@ -5,17 +5,18 @@
     <p:sldMasterId id="2147483744" r:id="rId4"/>
   </p:sldMasterIdLst>
   <p:notesMasterIdLst>
-    <p:notesMasterId r:id="rId10"/>
+    <p:notesMasterId r:id="rId11"/>
   </p:notesMasterIdLst>
   <p:handoutMasterIdLst>
-    <p:handoutMasterId r:id="rId11"/>
+    <p:handoutMasterId r:id="rId12"/>
   </p:handoutMasterIdLst>
   <p:sldIdLst>
     <p:sldId id="256" r:id="rId5"/>
     <p:sldId id="275" r:id="rId6"/>
     <p:sldId id="276" r:id="rId7"/>
-    <p:sldId id="277" r:id="rId8"/>
-    <p:sldId id="274" r:id="rId9"/>
+    <p:sldId id="278" r:id="rId8"/>
+    <p:sldId id="277" r:id="rId9"/>
+    <p:sldId id="274" r:id="rId10"/>
   </p:sldIdLst>
   <p:sldSz cx="12192000" cy="6858000"/>
   <p:notesSz cx="6858000" cy="9144000"/>
@@ -823,7 +824,7 @@
           <a:p>
             <a:fld id="{F3544625-0ADF-4414-89A2-9E135F0C849F}" type="slidenum">
               <a:rPr lang="en-US" smtClean="0"/>
-              <a:t>5</a:t>
+              <a:t>6</a:t>
             </a:fld>
             <a:endParaRPr lang="en-US" dirty="0"/>
           </a:p>
@@ -7205,7 +7206,7 @@
           <a:p>
             <a:r>
               <a:rPr lang="en-IN" sz="2000" dirty="0"/>
-              <a:t>We wish to represent the functionalities of handling orders, display categories(and more) and also to convey information effectively to the average user.</a:t>
+              <a:t>We wish to represent the functionalities of interacting with user through contact form and showcasing our companies’ products.</a:t>
             </a:r>
           </a:p>
           <a:p>
@@ -7360,6 +7361,18 @@
               <a:t>Products Page : To showcase the actual designs similar to an E-Commerce Site.</a:t>
             </a:r>
           </a:p>
+          <a:p>
+            <a:r>
+              <a:rPr lang="en-IN" dirty="0"/>
+              <a:t>Contact Us Page: </a:t>
+            </a:r>
+          </a:p>
+          <a:p>
+            <a:r>
+              <a:rPr lang="en-IN" dirty="0"/>
+              <a:t>Navbar and Footer modules</a:t>
+            </a:r>
+          </a:p>
         </p:txBody>
       </p:sp>
     </p:spTree>
@@ -7397,6 +7410,124 @@
           <p:cNvPr id="2" name="Title 1">
             <a:extLst>
               <a:ext uri="{FF2B5EF4-FFF2-40B4-BE49-F238E27FC236}">
+                <a16:creationId xmlns:a16="http://schemas.microsoft.com/office/drawing/2014/main" id="{E816858E-1FE7-442A-A977-25D26424F11A}"/>
+              </a:ext>
+            </a:extLst>
+          </p:cNvPr>
+          <p:cNvSpPr>
+            <a:spLocks noGrp="1"/>
+          </p:cNvSpPr>
+          <p:nvPr>
+            <p:ph type="title"/>
+          </p:nvPr>
+        </p:nvSpPr>
+        <p:spPr/>
+        <p:txBody>
+          <a:bodyPr/>
+          <a:lstStyle/>
+          <a:p>
+            <a:r>
+              <a:rPr lang="en-IN" dirty="0"/>
+              <a:t>Technologies Used:</a:t>
+            </a:r>
+          </a:p>
+        </p:txBody>
+      </p:sp>
+      <p:sp>
+        <p:nvSpPr>
+          <p:cNvPr id="3" name="Content Placeholder 2">
+            <a:extLst>
+              <a:ext uri="{FF2B5EF4-FFF2-40B4-BE49-F238E27FC236}">
+                <a16:creationId xmlns:a16="http://schemas.microsoft.com/office/drawing/2014/main" id="{C30F5D02-AE30-444D-ADF2-C7FFE214002B}"/>
+              </a:ext>
+            </a:extLst>
+          </p:cNvPr>
+          <p:cNvSpPr>
+            <a:spLocks noGrp="1"/>
+          </p:cNvSpPr>
+          <p:nvPr>
+            <p:ph idx="1"/>
+          </p:nvPr>
+        </p:nvSpPr>
+        <p:spPr/>
+        <p:txBody>
+          <a:bodyPr/>
+          <a:lstStyle/>
+          <a:p>
+            <a:r>
+              <a:rPr lang="en-IN" dirty="0"/>
+              <a:t>React</a:t>
+            </a:r>
+          </a:p>
+          <a:p>
+            <a:r>
+              <a:rPr lang="en-IN" dirty="0"/>
+              <a:t>MongoDB</a:t>
+            </a:r>
+          </a:p>
+          <a:p>
+            <a:r>
+              <a:rPr lang="en-IN" dirty="0"/>
+              <a:t>Express</a:t>
+            </a:r>
+          </a:p>
+          <a:p>
+            <a:r>
+              <a:rPr lang="en-IN" dirty="0" err="1"/>
+              <a:t>Axios</a:t>
+            </a:r>
+            <a:endParaRPr lang="en-IN" dirty="0"/>
+          </a:p>
+          <a:p>
+            <a:r>
+              <a:rPr lang="en-IN" dirty="0" err="1"/>
+              <a:t>Cors</a:t>
+            </a:r>
+            <a:endParaRPr lang="en-IN" dirty="0"/>
+          </a:p>
+          <a:p>
+            <a:r>
+              <a:rPr lang="en-IN" dirty="0"/>
+              <a:t>Node</a:t>
+            </a:r>
+          </a:p>
+        </p:txBody>
+      </p:sp>
+    </p:spTree>
+    <p:extLst>
+      <p:ext uri="{BB962C8B-B14F-4D97-AF65-F5344CB8AC3E}">
+        <p14:creationId xmlns:p14="http://schemas.microsoft.com/office/powerpoint/2010/main" val="3201029875"/>
+      </p:ext>
+    </p:extLst>
+  </p:cSld>
+  <p:clrMapOvr>
+    <a:masterClrMapping/>
+  </p:clrMapOvr>
+</p:sld>
+</file>
+
+<file path=ppt/slides/slide5.xml><?xml version="1.0" encoding="utf-8"?>
+<p:sld xmlns:a="http://schemas.openxmlformats.org/drawingml/2006/main" xmlns:r="http://schemas.openxmlformats.org/officeDocument/2006/relationships" xmlns:p="http://schemas.openxmlformats.org/presentationml/2006/main">
+  <p:cSld>
+    <p:spTree>
+      <p:nvGrpSpPr>
+        <p:cNvPr id="1" name=""/>
+        <p:cNvGrpSpPr/>
+        <p:nvPr/>
+      </p:nvGrpSpPr>
+      <p:grpSpPr>
+        <a:xfrm>
+          <a:off x="0" y="0"/>
+          <a:ext cx="0" cy="0"/>
+          <a:chOff x="0" y="0"/>
+          <a:chExt cx="0" cy="0"/>
+        </a:xfrm>
+      </p:grpSpPr>
+      <p:sp>
+        <p:nvSpPr>
+          <p:cNvPr id="2" name="Title 1">
+            <a:extLst>
+              <a:ext uri="{FF2B5EF4-FFF2-40B4-BE49-F238E27FC236}">
                 <a16:creationId xmlns:a16="http://schemas.microsoft.com/office/drawing/2014/main" id="{1C2091DD-27D6-4DE3-A491-3264E29FA1CE}"/>
               </a:ext>
             </a:extLst>
@@ -7447,27 +7578,19 @@
             </a:r>
             <a:r>
               <a:rPr lang="en-IN" dirty="0"/>
-              <a:t> – Base Styling for all the </a:t>
-            </a:r>
-            <a:r>
-              <a:rPr lang="en-IN" dirty="0" err="1"/>
-              <a:t>pages,React</a:t>
-            </a:r>
+              <a:t> – Base Styling for all the pages , React Routing for Components , Express Routing.</a:t>
+            </a:r>
+          </a:p>
+          <a:p>
             <a:r>
               <a:rPr lang="en-IN" dirty="0"/>
-              <a:t> Routing for Components , Express Routing.</a:t>
+              <a:t>Hemanth – Responsive Design, Card Design, Footer Design, Database integration.</a:t>
             </a:r>
           </a:p>
           <a:p>
             <a:r>
               <a:rPr lang="en-IN" dirty="0"/>
-              <a:t>Hemanth – Responsive Design, Card Design, Footer Design, </a:t>
-            </a:r>
-          </a:p>
-          <a:p>
-            <a:r>
-              <a:rPr lang="en-IN" dirty="0"/>
-              <a:t>Jaywanth – Contact – Us Page , Database Integration and Information Retrieval, React Navbar development. </a:t>
+              <a:t>Jaywanth – Contact – Us Page , Frontend and Backend Integration ,Information Retrieval, React Navbar development. </a:t>
             </a:r>
           </a:p>
         </p:txBody>
@@ -7485,7 +7608,7 @@
 </p:sld>
 </file>
 
-<file path=ppt/slides/slide5.xml><?xml version="1.0" encoding="utf-8"?>
+<file path=ppt/slides/slide6.xml><?xml version="1.0" encoding="utf-8"?>
 <p:sld xmlns:a="http://schemas.openxmlformats.org/drawingml/2006/main" xmlns:r="http://schemas.openxmlformats.org/officeDocument/2006/relationships" xmlns:p="http://schemas.openxmlformats.org/presentationml/2006/main">
   <p:cSld>
     <p:spTree>
@@ -8426,12 +8549,12 @@
 </file>
 
 <file path=customXml/item1.xml><?xml version="1.0" encoding="utf-8"?>
-<p:properties xmlns:p="http://schemas.microsoft.com/office/2006/metadata/properties" xmlns:xsi="http://www.w3.org/2001/XMLSchema-instance" xmlns:pc="http://schemas.microsoft.com/office/infopath/2007/PartnerControls">
-  <documentManagement>
-    <MediaServiceKeyPoints xmlns="71af3243-3dd4-4a8d-8c0d-dd76da1f02a5" xsi:nil="true"/>
-    <Status xmlns="71af3243-3dd4-4a8d-8c0d-dd76da1f02a5">Not started</Status>
-  </documentManagement>
-</p:properties>
+<?mso-contentType ?>
+<FormTemplates xmlns="http://schemas.microsoft.com/sharepoint/v3/contenttype/forms">
+  <Display>DocumentLibraryForm</Display>
+  <Edit>DocumentLibraryForm</Edit>
+  <New>DocumentLibraryForm</New>
+</FormTemplates>
 </file>
 
 <file path=customXml/item2.xml><?xml version="1.0" encoding="utf-8"?>
@@ -8656,27 +8779,18 @@
 </file>
 
 <file path=customXml/item3.xml><?xml version="1.0" encoding="utf-8"?>
-<?mso-contentType ?>
-<FormTemplates xmlns="http://schemas.microsoft.com/sharepoint/v3/contenttype/forms">
-  <Display>DocumentLibraryForm</Display>
-  <Edit>DocumentLibraryForm</Edit>
-  <New>DocumentLibraryForm</New>
-</FormTemplates>
+<p:properties xmlns:p="http://schemas.microsoft.com/office/2006/metadata/properties" xmlns:xsi="http://www.w3.org/2001/XMLSchema-instance" xmlns:pc="http://schemas.microsoft.com/office/infopath/2007/PartnerControls">
+  <documentManagement>
+    <MediaServiceKeyPoints xmlns="71af3243-3dd4-4a8d-8c0d-dd76da1f02a5" xsi:nil="true"/>
+    <Status xmlns="71af3243-3dd4-4a8d-8c0d-dd76da1f02a5">Not started</Status>
+  </documentManagement>
+</p:properties>
 </file>
 
 <file path=customXml/itemProps1.xml><?xml version="1.0" encoding="utf-8"?>
-<ds:datastoreItem xmlns:ds="http://schemas.openxmlformats.org/officeDocument/2006/customXml" ds:itemID="{4415B3C4-7FB6-414C-8C24-8862C0E6C9F3}">
+<ds:datastoreItem xmlns:ds="http://schemas.openxmlformats.org/officeDocument/2006/customXml" ds:itemID="{CE12C2FA-3740-4055-BA8A-74A1458F4A51}">
   <ds:schemaRefs>
-    <ds:schemaRef ds:uri="http://purl.org/dc/dcmitype/"/>
-    <ds:schemaRef ds:uri="http://schemas.microsoft.com/office/infopath/2007/PartnerControls"/>
-    <ds:schemaRef ds:uri="http://schemas.microsoft.com/office/2006/documentManagement/types"/>
-    <ds:schemaRef ds:uri="71af3243-3dd4-4a8d-8c0d-dd76da1f02a5"/>
-    <ds:schemaRef ds:uri="http://purl.org/dc/elements/1.1/"/>
-    <ds:schemaRef ds:uri="http://www.w3.org/XML/1998/namespace"/>
-    <ds:schemaRef ds:uri="16c05727-aa75-4e4a-9b5f-8a80a1165891"/>
-    <ds:schemaRef ds:uri="http://schemas.microsoft.com/office/2006/metadata/properties"/>
-    <ds:schemaRef ds:uri="http://schemas.openxmlformats.org/package/2006/metadata/core-properties"/>
-    <ds:schemaRef ds:uri="http://purl.org/dc/terms/"/>
+    <ds:schemaRef ds:uri="http://schemas.microsoft.com/sharepoint/v3/contenttype/forms"/>
   </ds:schemaRefs>
 </ds:datastoreItem>
 </file>
@@ -8701,9 +8815,18 @@
 </file>
 
 <file path=customXml/itemProps3.xml><?xml version="1.0" encoding="utf-8"?>
-<ds:datastoreItem xmlns:ds="http://schemas.openxmlformats.org/officeDocument/2006/customXml" ds:itemID="{CE12C2FA-3740-4055-BA8A-74A1458F4A51}">
+<ds:datastoreItem xmlns:ds="http://schemas.openxmlformats.org/officeDocument/2006/customXml" ds:itemID="{4415B3C4-7FB6-414C-8C24-8862C0E6C9F3}">
   <ds:schemaRefs>
-    <ds:schemaRef ds:uri="http://schemas.microsoft.com/sharepoint/v3/contenttype/forms"/>
+    <ds:schemaRef ds:uri="http://purl.org/dc/dcmitype/"/>
+    <ds:schemaRef ds:uri="http://schemas.microsoft.com/office/infopath/2007/PartnerControls"/>
+    <ds:schemaRef ds:uri="http://schemas.microsoft.com/office/2006/documentManagement/types"/>
+    <ds:schemaRef ds:uri="71af3243-3dd4-4a8d-8c0d-dd76da1f02a5"/>
+    <ds:schemaRef ds:uri="http://purl.org/dc/elements/1.1/"/>
+    <ds:schemaRef ds:uri="http://www.w3.org/XML/1998/namespace"/>
+    <ds:schemaRef ds:uri="16c05727-aa75-4e4a-9b5f-8a80a1165891"/>
+    <ds:schemaRef ds:uri="http://schemas.microsoft.com/office/2006/metadata/properties"/>
+    <ds:schemaRef ds:uri="http://schemas.openxmlformats.org/package/2006/metadata/core-properties"/>
+    <ds:schemaRef ds:uri="http://purl.org/dc/terms/"/>
   </ds:schemaRefs>
 </ds:datastoreItem>
 </file>